--- a/Phase2_ppt_draft1.pptx
+++ b/Phase2_ppt_draft1.pptx
@@ -7,13 +7,12 @@
   <p:sldIdLst>
     <p:sldId id="256" r:id="rId3"/>
     <p:sldId id="261" r:id="rId4"/>
-    <p:sldId id="262" r:id="rId5"/>
-    <p:sldId id="263" r:id="rId6"/>
-    <p:sldId id="257" r:id="rId7"/>
-    <p:sldId id="260" r:id="rId8"/>
-    <p:sldId id="258" r:id="rId9"/>
-    <p:sldId id="259" r:id="rId10"/>
-    <p:sldId id="264" r:id="rId11"/>
+    <p:sldId id="263" r:id="rId5"/>
+    <p:sldId id="257" r:id="rId6"/>
+    <p:sldId id="260" r:id="rId7"/>
+    <p:sldId id="258" r:id="rId8"/>
+    <p:sldId id="259" r:id="rId9"/>
+    <p:sldId id="264" r:id="rId10"/>
   </p:sldIdLst>
   <p:sldSz cx="12192000" cy="6858000"/>
   <p:notesSz cx="7103745" cy="10234295"/>
@@ -2105,7 +2104,7 @@
             <a:gs pos="0">
               <a:schemeClr val="bg1"/>
             </a:gs>
-            <a:gs pos="93000">
+            <a:gs pos="87000">
               <a:schemeClr val="bg1">
                 <a:lumMod val="95000"/>
               </a:schemeClr>
@@ -3483,47 +3482,6 @@
           <a:p>
             <a:pPr marL="0" indent="0" eaLnBrk="1" hangingPunct="1"/>
             <a:r>
-              <a:rPr dirty="0">
-                <a:solidFill>
-                  <a:schemeClr val="tx1"/>
-                </a:solidFill>
-                <a:latin typeface="Bookman Old Style" pitchFamily="18" charset="0"/>
-                <a:sym typeface="+mn-ea"/>
-              </a:rPr>
-              <a:t> </a:t>
-            </a:r>
-            <a:r>
-              <a:rPr b="1" dirty="0">
-                <a:solidFill>
-                  <a:schemeClr val="tx1"/>
-                </a:solidFill>
-                <a:latin typeface="Times New Roman" panose="02020603050405020304" charset="0"/>
-                <a:cs typeface="Times New Roman" panose="02020603050405020304" charset="0"/>
-                <a:sym typeface="+mn-ea"/>
-              </a:rPr>
-              <a:t>In this information era, Huge amount of data is present. Humans are inefficient to summarize this size of data. So we need text summarizer to do this for us.</a:t>
-            </a:r>
-            <a:endParaRPr b="1" dirty="0">
-              <a:solidFill>
-                <a:schemeClr val="tx1"/>
-              </a:solidFill>
-              <a:latin typeface="Times New Roman" panose="02020603050405020304" charset="0"/>
-              <a:cs typeface="Times New Roman" panose="02020603050405020304" charset="0"/>
-            </a:endParaRPr>
-          </a:p>
-          <a:p>
-            <a:pPr marL="0" indent="0" eaLnBrk="1" hangingPunct="1"/>
-            <a:endParaRPr b="1" dirty="0">
-              <a:solidFill>
-                <a:schemeClr val="tx1"/>
-              </a:solidFill>
-              <a:latin typeface="Times New Roman" panose="02020603050405020304" charset="0"/>
-              <a:cs typeface="Times New Roman" panose="02020603050405020304" charset="0"/>
-            </a:endParaRPr>
-          </a:p>
-          <a:p>
-            <a:pPr marL="0" indent="0" eaLnBrk="1" hangingPunct="1"/>
-            <a:r>
               <a:rPr b="1" dirty="0">
                 <a:solidFill>
                   <a:schemeClr val="tx1"/>
@@ -3540,61 +3498,27 @@
               </a:solidFill>
               <a:latin typeface="Times New Roman" panose="02020603050405020304" charset="0"/>
               <a:cs typeface="Times New Roman" panose="02020603050405020304" charset="0"/>
+              <a:sym typeface="+mn-ea"/>
             </a:endParaRPr>
           </a:p>
           <a:p>
-            <a:endParaRPr lang="en-US" b="1" dirty="0">
+            <a:pPr marL="0" indent="0" eaLnBrk="1" hangingPunct="1"/>
+            <a:endParaRPr b="1" dirty="0">
               <a:solidFill>
                 <a:schemeClr val="tx1"/>
               </a:solidFill>
               <a:latin typeface="Times New Roman" panose="02020603050405020304" charset="0"/>
               <a:cs typeface="Times New Roman" panose="02020603050405020304" charset="0"/>
+              <a:sym typeface="+mn-ea"/>
             </a:endParaRPr>
           </a:p>
-        </p:txBody>
-      </p:sp>
-    </p:spTree>
-  </p:cSld>
-  <p:clrMapOvr>
-    <a:masterClrMapping/>
-  </p:clrMapOvr>
-</p:sld>
-</file>
-
-<file path=ppt/slides/slide3.xml><?xml version="1.0" encoding="utf-8"?>
-<p:sld xmlns:a="http://schemas.openxmlformats.org/drawingml/2006/main" xmlns:r="http://schemas.openxmlformats.org/officeDocument/2006/relationships" xmlns:p="http://schemas.openxmlformats.org/presentationml/2006/main">
-  <p:cSld>
-    <p:spTree>
-      <p:nvGrpSpPr>
-        <p:cNvPr id="1" name=""/>
-        <p:cNvGrpSpPr/>
-        <p:nvPr/>
-      </p:nvGrpSpPr>
-      <p:grpSpPr/>
-      <p:sp>
-        <p:nvSpPr>
-          <p:cNvPr id="2" name="Title 1"/>
-          <p:cNvSpPr>
-            <a:spLocks noGrp="1"/>
-          </p:cNvSpPr>
-          <p:nvPr>
-            <p:ph type="title"/>
-          </p:nvPr>
-        </p:nvSpPr>
-        <p:spPr/>
-        <p:txBody>
-          <a:bodyPr>
-            <a:normAutofit fontScale="90000"/>
-          </a:bodyPr>
-          <a:p>
-            <a:r>
-              <a:rPr lang="en-US" b="1" cap="all" spc="-60" noProof="0" dirty="0" smtClean="0">
+          <a:p>
+            <a:pPr marL="0" indent="0" eaLnBrk="1" hangingPunct="1"/>
+            <a:r>
+              <a:rPr lang="en-US" b="1" noProof="0" dirty="0" smtClean="0">
                 <a:ln>
                   <a:noFill/>
                 </a:ln>
-                <a:solidFill>
-                  <a:srgbClr val="C00000"/>
-                </a:solidFill>
                 <a:effectLst/>
                 <a:uLnTx/>
                 <a:uFillTx/>
@@ -3602,81 +3526,13 @@
                 <a:cs typeface="Times New Roman" panose="02020603050405020304" charset="0"/>
                 <a:sym typeface="+mn-ea"/>
               </a:rPr>
-              <a:t>Introduction</a:t>
-            </a:r>
-            <a:br>
-              <a:rPr kumimoji="0" lang="en-US" b="1" i="0" u="none" strike="noStrike" kern="1200" cap="all" spc="-60" normalizeH="0" baseline="0" noProof="0" dirty="0">
+              <a:t>The goal of automatic text summarization is </a:t>
+            </a:r>
+            <a:r>
+              <a:rPr lang="en-IN" altLang="en-US" b="1" noProof="0" dirty="0" smtClean="0">
                 <a:ln>
                   <a:noFill/>
                 </a:ln>
-                <a:solidFill>
-                  <a:srgbClr val="C00000"/>
-                </a:solidFill>
-                <a:effectLst/>
-                <a:uLnTx/>
-                <a:uFillTx/>
-                <a:latin typeface="Times New Roman" panose="02020603050405020304" charset="0"/>
-                <a:ea typeface="+mj-ea"/>
-                <a:cs typeface="Times New Roman" panose="02020603050405020304" charset="0"/>
-              </a:rPr>
-            </a:br>
-            <a:endParaRPr kumimoji="0" lang="en-US" b="1" i="0" u="none" strike="noStrike" kern="1200" cap="all" spc="-60" normalizeH="0" baseline="0" noProof="0" dirty="0">
-              <a:ln>
-                <a:noFill/>
-              </a:ln>
-              <a:solidFill>
-                <a:srgbClr val="C00000"/>
-              </a:solidFill>
-              <a:effectLst/>
-              <a:uLnTx/>
-              <a:uFillTx/>
-              <a:latin typeface="Times New Roman" panose="02020603050405020304" charset="0"/>
-              <a:ea typeface="+mj-ea"/>
-              <a:cs typeface="Times New Roman" panose="02020603050405020304" charset="0"/>
-            </a:endParaRPr>
-          </a:p>
-        </p:txBody>
-      </p:sp>
-      <p:sp>
-        <p:nvSpPr>
-          <p:cNvPr id="3" name="Content Placeholder 2"/>
-          <p:cNvSpPr>
-            <a:spLocks noGrp="1"/>
-          </p:cNvSpPr>
-          <p:nvPr>
-            <p:ph idx="1"/>
-          </p:nvPr>
-        </p:nvSpPr>
-        <p:spPr/>
-        <p:txBody>
-          <a:bodyPr>
-            <a:normAutofit/>
-          </a:bodyPr>
-          <a:p>
-            <a:pPr marL="0" marR="0" lvl="0" indent="0" algn="l" defTabSz="914400" rtl="0" eaLnBrk="1" fontAlgn="auto" latinLnBrk="0" hangingPunct="1">
-              <a:lnSpc>
-                <a:spcPct val="100000"/>
-              </a:lnSpc>
-              <a:spcBef>
-                <a:spcPct val="20000"/>
-              </a:spcBef>
-              <a:spcAft>
-                <a:spcPts val="600"/>
-              </a:spcAft>
-              <a:buClrTx/>
-              <a:buSzTx/>
-              <a:buFont typeface="Arial" panose="020B0604020202020204" pitchFamily="34" charset="0"/>
-              <a:buChar char="•"/>
-              <a:defRPr/>
-            </a:pPr>
-            <a:r>
-              <a:rPr lang="en-US" b="1" noProof="0" dirty="0" smtClean="0">
-                <a:ln>
-                  <a:noFill/>
-                </a:ln>
-                <a:solidFill>
-                  <a:schemeClr val="tx1"/>
-                </a:solidFill>
                 <a:effectLst/>
                 <a:uLnTx/>
                 <a:uFillTx/>
@@ -3684,7 +3540,21 @@
                 <a:cs typeface="Times New Roman" panose="02020603050405020304" charset="0"/>
                 <a:sym typeface="+mn-ea"/>
               </a:rPr>
-              <a:t>A summary is a text that is produced from one or more texts, that conveys important information in the original text, and it is of a shorter form.</a:t>
+              <a:t>to </a:t>
+            </a:r>
+            <a:r>
+              <a:rPr lang="en-US" b="1" noProof="0" dirty="0" smtClean="0">
+                <a:ln>
+                  <a:noFill/>
+                </a:ln>
+                <a:effectLst/>
+                <a:uLnTx/>
+                <a:uFillTx/>
+                <a:latin typeface="Times New Roman" panose="02020603050405020304" charset="0"/>
+                <a:cs typeface="Times New Roman" panose="02020603050405020304" charset="0"/>
+                <a:sym typeface="+mn-ea"/>
+              </a:rPr>
+              <a:t>present the source text into a shorter version with semantics.</a:t>
             </a:r>
             <a:endParaRPr kumimoji="0" lang="en-US" b="1" i="0" u="none" strike="noStrike" kern="1200" cap="none" spc="0" normalizeH="0" baseline="0" noProof="0" dirty="0" smtClean="0">
               <a:ln>
@@ -3702,148 +3572,21 @@
             </a:endParaRPr>
           </a:p>
           <a:p>
-            <a:pPr marL="0" marR="0" lvl="0" indent="0" algn="l" defTabSz="914400" rtl="0" eaLnBrk="1" fontAlgn="auto" latinLnBrk="0" hangingPunct="1">
-              <a:lnSpc>
-                <a:spcPct val="100000"/>
-              </a:lnSpc>
-              <a:spcBef>
-                <a:spcPct val="20000"/>
-              </a:spcBef>
-              <a:spcAft>
-                <a:spcPts val="600"/>
-              </a:spcAft>
-              <a:buClrTx/>
-              <a:buSzTx/>
-              <a:buFont typeface="Arial" panose="020B0604020202020204" pitchFamily="34" charset="0"/>
-              <a:buChar char="•"/>
-              <a:defRPr/>
-            </a:pPr>
-            <a:r>
-              <a:rPr lang="en-US" b="1" noProof="0" dirty="0" smtClean="0">
-                <a:ln>
-                  <a:noFill/>
-                </a:ln>
-                <a:solidFill>
-                  <a:schemeClr val="tx1"/>
-                </a:solidFill>
-                <a:effectLst/>
-                <a:uLnTx/>
-                <a:uFillTx/>
-                <a:latin typeface="Times New Roman" panose="02020603050405020304" charset="0"/>
-                <a:cs typeface="Times New Roman" panose="02020603050405020304" charset="0"/>
-                <a:sym typeface="+mn-ea"/>
-              </a:rPr>
-              <a:t> The goal of automatic text summarization is presenting the source text into a shorter version with semantics.</a:t>
-            </a:r>
-            <a:endParaRPr kumimoji="0" lang="en-US" b="1" i="0" u="none" strike="noStrike" kern="1200" cap="none" spc="0" normalizeH="0" baseline="0" noProof="0" dirty="0" smtClean="0">
-              <a:ln>
-                <a:noFill/>
-              </a:ln>
+            <a:pPr marL="0" indent="0" eaLnBrk="1" hangingPunct="1"/>
+            <a:endParaRPr b="1" dirty="0">
               <a:solidFill>
                 <a:schemeClr val="tx1"/>
               </a:solidFill>
-              <a:effectLst/>
-              <a:uLnTx/>
-              <a:uFillTx/>
               <a:latin typeface="Times New Roman" panose="02020603050405020304" charset="0"/>
-              <a:ea typeface="+mn-ea"/>
               <a:cs typeface="Times New Roman" panose="02020603050405020304" charset="0"/>
             </a:endParaRPr>
           </a:p>
           <a:p>
-            <a:pPr marL="0" marR="0" lvl="0" indent="0" algn="l" defTabSz="914400" rtl="0" eaLnBrk="1" fontAlgn="auto" latinLnBrk="0" hangingPunct="1">
-              <a:lnSpc>
-                <a:spcPct val="100000"/>
-              </a:lnSpc>
-              <a:spcBef>
-                <a:spcPct val="20000"/>
-              </a:spcBef>
-              <a:spcAft>
-                <a:spcPts val="600"/>
-              </a:spcAft>
-              <a:buClrTx/>
-              <a:buSzTx/>
-              <a:buFont typeface="Arial" panose="020B0604020202020204" pitchFamily="34" charset="0"/>
-              <a:buChar char="•"/>
-              <a:defRPr/>
-            </a:pPr>
-            <a:r>
-              <a:rPr lang="en-US" b="1" noProof="0" dirty="0" smtClean="0">
-                <a:ln>
-                  <a:noFill/>
-                </a:ln>
-                <a:solidFill>
-                  <a:schemeClr val="tx1"/>
-                </a:solidFill>
-                <a:effectLst/>
-                <a:uLnTx/>
-                <a:uFillTx/>
-                <a:latin typeface="Times New Roman" panose="02020603050405020304" charset="0"/>
-                <a:cs typeface="Times New Roman" panose="02020603050405020304" charset="0"/>
-                <a:sym typeface="+mn-ea"/>
-              </a:rPr>
-              <a:t> The most important advantage of using a summary is, it reduces the reading time.</a:t>
-            </a:r>
-            <a:endParaRPr kumimoji="0" lang="en-US" b="1" i="0" u="none" strike="noStrike" kern="1200" cap="none" spc="0" normalizeH="0" baseline="0" noProof="0" dirty="0" smtClean="0">
-              <a:ln>
-                <a:noFill/>
-              </a:ln>
+            <a:endParaRPr lang="en-US" b="1" dirty="0">
               <a:solidFill>
                 <a:schemeClr val="tx1"/>
               </a:solidFill>
-              <a:effectLst/>
-              <a:uLnTx/>
-              <a:uFillTx/>
               <a:latin typeface="Times New Roman" panose="02020603050405020304" charset="0"/>
-              <a:ea typeface="+mn-ea"/>
-              <a:cs typeface="Times New Roman" panose="02020603050405020304" charset="0"/>
-            </a:endParaRPr>
-          </a:p>
-          <a:p>
-            <a:pPr marL="0" marR="0" lvl="0" indent="0" algn="l" defTabSz="914400" rtl="0" eaLnBrk="1" fontAlgn="auto" latinLnBrk="0" hangingPunct="1">
-              <a:lnSpc>
-                <a:spcPct val="100000"/>
-              </a:lnSpc>
-              <a:spcBef>
-                <a:spcPct val="20000"/>
-              </a:spcBef>
-              <a:spcAft>
-                <a:spcPts val="600"/>
-              </a:spcAft>
-              <a:buClrTx/>
-              <a:buSzTx/>
-              <a:buFont typeface="Arial" panose="020B0604020202020204" pitchFamily="34" charset="0"/>
-              <a:buNone/>
-              <a:defRPr/>
-            </a:pPr>
-            <a:endParaRPr kumimoji="0" lang="en-US" b="1" i="0" u="none" strike="noStrike" kern="1200" cap="none" spc="0" normalizeH="0" baseline="0" noProof="0" dirty="0">
-              <a:ln>
-                <a:noFill/>
-              </a:ln>
-              <a:solidFill>
-                <a:schemeClr val="tx1"/>
-              </a:solidFill>
-              <a:effectLst/>
-              <a:uLnTx/>
-              <a:uFillTx/>
-              <a:latin typeface="Times New Roman" panose="02020603050405020304" charset="0"/>
-              <a:ea typeface="+mn-ea"/>
-              <a:cs typeface="Times New Roman" panose="02020603050405020304" charset="0"/>
-            </a:endParaRPr>
-          </a:p>
-          <a:p>
-            <a:endParaRPr kumimoji="0" lang="en-US" b="1" i="0" u="none" strike="noStrike" kern="1200" cap="none" spc="0" normalizeH="0" baseline="0" noProof="0" dirty="0">
-              <a:ln>
-                <a:noFill/>
-              </a:ln>
-              <a:solidFill>
-                <a:schemeClr val="tx1"/>
-              </a:solidFill>
-              <a:effectLst/>
-              <a:uLnTx/>
-              <a:uFillTx/>
-              <a:latin typeface="Times New Roman" panose="02020603050405020304" charset="0"/>
-              <a:ea typeface="+mn-ea"/>
               <a:cs typeface="Times New Roman" panose="02020603050405020304" charset="0"/>
             </a:endParaRPr>
           </a:p>
@@ -3857,7 +3600,7 @@
 </p:sld>
 </file>
 
-<file path=ppt/slides/slide4.xml><?xml version="1.0" encoding="utf-8"?>
+<file path=ppt/slides/slide3.xml><?xml version="1.0" encoding="utf-8"?>
 <p:sld xmlns:a="http://schemas.openxmlformats.org/drawingml/2006/main" xmlns:r="http://schemas.openxmlformats.org/officeDocument/2006/relationships" xmlns:p="http://schemas.openxmlformats.org/presentationml/2006/main">
   <p:cSld>
     <p:spTree>
@@ -4135,7 +3878,7 @@
 </p:sld>
 </file>
 
-<file path=ppt/slides/slide5.xml><?xml version="1.0" encoding="utf-8"?>
+<file path=ppt/slides/slide4.xml><?xml version="1.0" encoding="utf-8"?>
 <p:sld xmlns:a="http://schemas.openxmlformats.org/drawingml/2006/main" xmlns:r="http://schemas.openxmlformats.org/officeDocument/2006/relationships" xmlns:p="http://schemas.openxmlformats.org/presentationml/2006/main">
   <p:cSld>
     <p:spTree>
@@ -4228,7 +3971,7 @@
 </p:sld>
 </file>
 
-<file path=ppt/slides/slide6.xml><?xml version="1.0" encoding="utf-8"?>
+<file path=ppt/slides/slide5.xml><?xml version="1.0" encoding="utf-8"?>
 <p:sld xmlns:a="http://schemas.openxmlformats.org/drawingml/2006/main" xmlns:r="http://schemas.openxmlformats.org/officeDocument/2006/relationships" xmlns:p="http://schemas.openxmlformats.org/presentationml/2006/main">
   <p:cSld>
     <p:spTree>
@@ -4306,6 +4049,64 @@
 </p:sld>
 </file>
 
+<file path=ppt/slides/slide6.xml><?xml version="1.0" encoding="utf-8"?>
+<p:sld xmlns:a="http://schemas.openxmlformats.org/drawingml/2006/main" xmlns:r="http://schemas.openxmlformats.org/officeDocument/2006/relationships" xmlns:p="http://schemas.openxmlformats.org/presentationml/2006/main">
+  <p:cSld>
+    <p:spTree>
+      <p:nvGrpSpPr>
+        <p:cNvPr id="1" name=""/>
+        <p:cNvGrpSpPr/>
+        <p:nvPr/>
+      </p:nvGrpSpPr>
+      <p:grpSpPr/>
+      <p:sp>
+        <p:nvSpPr>
+          <p:cNvPr id="2" name="Title 1"/>
+          <p:cNvSpPr>
+            <a:spLocks noGrp="1"/>
+          </p:cNvSpPr>
+          <p:nvPr>
+            <p:ph type="title"/>
+          </p:nvPr>
+        </p:nvSpPr>
+        <p:spPr/>
+        <p:txBody>
+          <a:bodyPr/>
+          <a:p>
+            <a:r>
+              <a:rPr lang="en-US"/>
+              <a:t>Experimentation &amp; Optimization</a:t>
+            </a:r>
+            <a:endParaRPr lang="en-US"/>
+          </a:p>
+        </p:txBody>
+      </p:sp>
+      <p:sp>
+        <p:nvSpPr>
+          <p:cNvPr id="3" name="Content Placeholder 2"/>
+          <p:cNvSpPr>
+            <a:spLocks noGrp="1"/>
+          </p:cNvSpPr>
+          <p:nvPr>
+            <p:ph idx="1"/>
+          </p:nvPr>
+        </p:nvSpPr>
+        <p:spPr/>
+        <p:txBody>
+          <a:bodyPr/>
+          <a:p>
+            <a:endParaRPr lang="en-US"/>
+          </a:p>
+        </p:txBody>
+      </p:sp>
+    </p:spTree>
+  </p:cSld>
+  <p:clrMapOvr>
+    <a:masterClrMapping/>
+  </p:clrMapOvr>
+</p:sld>
+</file>
+
 <file path=ppt/slides/slide7.xml><?xml version="1.0" encoding="utf-8"?>
 <p:sld xmlns:a="http://schemas.openxmlformats.org/drawingml/2006/main" xmlns:r="http://schemas.openxmlformats.org/officeDocument/2006/relationships" xmlns:p="http://schemas.openxmlformats.org/presentationml/2006/main">
   <p:cSld>
@@ -4332,7 +4133,7 @@
           <a:p>
             <a:r>
               <a:rPr lang="en-US"/>
-              <a:t>Experimentation &amp; Optimization</a:t>
+              <a:t>Work in Progress</a:t>
             </a:r>
             <a:endParaRPr lang="en-US"/>
           </a:p>
@@ -4389,64 +4190,6 @@
           <a:bodyPr/>
           <a:p>
             <a:r>
-              <a:rPr lang="en-US"/>
-              <a:t>Work in Progress</a:t>
-            </a:r>
-            <a:endParaRPr lang="en-US"/>
-          </a:p>
-        </p:txBody>
-      </p:sp>
-      <p:sp>
-        <p:nvSpPr>
-          <p:cNvPr id="3" name="Content Placeholder 2"/>
-          <p:cNvSpPr>
-            <a:spLocks noGrp="1"/>
-          </p:cNvSpPr>
-          <p:nvPr>
-            <p:ph idx="1"/>
-          </p:nvPr>
-        </p:nvSpPr>
-        <p:spPr/>
-        <p:txBody>
-          <a:bodyPr/>
-          <a:p>
-            <a:endParaRPr lang="en-US"/>
-          </a:p>
-        </p:txBody>
-      </p:sp>
-    </p:spTree>
-  </p:cSld>
-  <p:clrMapOvr>
-    <a:masterClrMapping/>
-  </p:clrMapOvr>
-</p:sld>
-</file>
-
-<file path=ppt/slides/slide9.xml><?xml version="1.0" encoding="utf-8"?>
-<p:sld xmlns:a="http://schemas.openxmlformats.org/drawingml/2006/main" xmlns:r="http://schemas.openxmlformats.org/officeDocument/2006/relationships" xmlns:p="http://schemas.openxmlformats.org/presentationml/2006/main">
-  <p:cSld>
-    <p:spTree>
-      <p:nvGrpSpPr>
-        <p:cNvPr id="1" name=""/>
-        <p:cNvGrpSpPr/>
-        <p:nvPr/>
-      </p:nvGrpSpPr>
-      <p:grpSpPr/>
-      <p:sp>
-        <p:nvSpPr>
-          <p:cNvPr id="2" name="Title 1"/>
-          <p:cNvSpPr>
-            <a:spLocks noGrp="1"/>
-          </p:cNvSpPr>
-          <p:nvPr>
-            <p:ph type="title"/>
-          </p:nvPr>
-        </p:nvSpPr>
-        <p:spPr/>
-        <p:txBody>
-          <a:bodyPr/>
-          <a:p>
-            <a:r>
               <a:rPr lang="en-IN" altLang="en-US" b="1">
                 <a:solidFill>
                   <a:srgbClr val="C00000"/>
@@ -4475,1174 +4218,8 @@
         <p:spPr/>
         <p:txBody>
           <a:bodyPr>
-            <a:normAutofit fontScale="90000" lnSpcReduction="20000"/>
+            <a:normAutofit/>
           </a:bodyPr>
-          <a:p>
-            <a:pPr marL="457200" marR="0" lvl="0" indent="-457200" algn="l" defTabSz="914400" rtl="0" eaLnBrk="1" fontAlgn="base" latinLnBrk="0" hangingPunct="1">
-              <a:lnSpc>
-                <a:spcPct val="100000"/>
-              </a:lnSpc>
-              <a:spcBef>
-                <a:spcPct val="20000"/>
-              </a:spcBef>
-              <a:spcAft>
-                <a:spcPts val="600"/>
-              </a:spcAft>
-              <a:buClrTx/>
-              <a:buSzTx/>
-              <a:buFont typeface="Arial" panose="020B0604020202020204" pitchFamily="34" charset="0"/>
-              <a:buChar char="•"/>
-              <a:defRPr/>
-            </a:pPr>
-            <a:r>
-              <a:rPr lang="en-US" sz="2000" b="1" noProof="0" dirty="0" err="1" smtClean="0">
-                <a:ln>
-                  <a:noFill/>
-                </a:ln>
-                <a:effectLst/>
-                <a:uLnTx/>
-                <a:uFillTx/>
-                <a:latin typeface="Times New Roman" panose="02020603050405020304" charset="0"/>
-                <a:cs typeface="Times New Roman" panose="02020603050405020304" charset="0"/>
-                <a:sym typeface="+mn-ea"/>
-              </a:rPr>
-              <a:t>Amjad</a:t>
-            </a:r>
-            <a:r>
-              <a:rPr lang="en-US" sz="2000" b="1" noProof="0" dirty="0" smtClean="0">
-                <a:ln>
-                  <a:noFill/>
-                </a:ln>
-                <a:effectLst/>
-                <a:uLnTx/>
-                <a:uFillTx/>
-                <a:latin typeface="Times New Roman" panose="02020603050405020304" charset="0"/>
-                <a:cs typeface="Times New Roman" panose="02020603050405020304" charset="0"/>
-                <a:sym typeface="+mn-ea"/>
-              </a:rPr>
-              <a:t> Abu-</a:t>
-            </a:r>
-            <a:r>
-              <a:rPr lang="en-US" sz="2000" b="1" noProof="0" dirty="0" err="1" smtClean="0">
-                <a:ln>
-                  <a:noFill/>
-                </a:ln>
-                <a:effectLst/>
-                <a:uLnTx/>
-                <a:uFillTx/>
-                <a:latin typeface="Times New Roman" panose="02020603050405020304" charset="0"/>
-                <a:cs typeface="Times New Roman" panose="02020603050405020304" charset="0"/>
-                <a:sym typeface="+mn-ea"/>
-              </a:rPr>
-              <a:t>Jbara</a:t>
-            </a:r>
-            <a:r>
-              <a:rPr lang="en-US" sz="2000" b="1" noProof="0" dirty="0" smtClean="0">
-                <a:ln>
-                  <a:noFill/>
-                </a:ln>
-                <a:effectLst/>
-                <a:uLnTx/>
-                <a:uFillTx/>
-                <a:latin typeface="Times New Roman" panose="02020603050405020304" charset="0"/>
-                <a:cs typeface="Times New Roman" panose="02020603050405020304" charset="0"/>
-                <a:sym typeface="+mn-ea"/>
-              </a:rPr>
-              <a:t> and </a:t>
-            </a:r>
-            <a:r>
-              <a:rPr lang="en-US" sz="2000" b="1" noProof="0" dirty="0" err="1" smtClean="0">
-                <a:ln>
-                  <a:noFill/>
-                </a:ln>
-                <a:effectLst/>
-                <a:uLnTx/>
-                <a:uFillTx/>
-                <a:latin typeface="Times New Roman" panose="02020603050405020304" charset="0"/>
-                <a:cs typeface="Times New Roman" panose="02020603050405020304" charset="0"/>
-                <a:sym typeface="+mn-ea"/>
-              </a:rPr>
-              <a:t>DragomirRadev</a:t>
-            </a:r>
-            <a:r>
-              <a:rPr lang="en-US" sz="2000" b="1" noProof="0" dirty="0" smtClean="0">
-                <a:ln>
-                  <a:noFill/>
-                </a:ln>
-                <a:effectLst/>
-                <a:uLnTx/>
-                <a:uFillTx/>
-                <a:latin typeface="Times New Roman" panose="02020603050405020304" charset="0"/>
-                <a:cs typeface="Times New Roman" panose="02020603050405020304" charset="0"/>
-                <a:sym typeface="+mn-ea"/>
-              </a:rPr>
-              <a:t>. 2011. Coherent citation-based summarization of scientific papers. In Proceedings of the 49th Annual Meeting of the Association for Computational Linguistics: Human Language Technologies-Volume 1. Association for Computational Linguistics, 500–509. </a:t>
-            </a:r>
-            <a:endParaRPr kumimoji="0" lang="en-US" sz="2000" b="1" i="0" u="none" strike="noStrike" kern="1200" cap="none" spc="0" normalizeH="0" baseline="0" noProof="0" dirty="0" smtClean="0">
-              <a:ln>
-                <a:noFill/>
-              </a:ln>
-              <a:solidFill>
-                <a:schemeClr val="tx1"/>
-              </a:solidFill>
-              <a:effectLst/>
-              <a:uLnTx/>
-              <a:uFillTx/>
-              <a:latin typeface="Times New Roman" panose="02020603050405020304" charset="0"/>
-              <a:ea typeface="+mn-ea"/>
-              <a:cs typeface="Times New Roman" panose="02020603050405020304" charset="0"/>
-            </a:endParaRPr>
-          </a:p>
-          <a:p>
-            <a:pPr marL="457200" marR="0" lvl="0" indent="-457200" algn="l" defTabSz="914400" rtl="0" eaLnBrk="1" fontAlgn="base" latinLnBrk="0" hangingPunct="1">
-              <a:lnSpc>
-                <a:spcPct val="100000"/>
-              </a:lnSpc>
-              <a:spcBef>
-                <a:spcPct val="20000"/>
-              </a:spcBef>
-              <a:spcAft>
-                <a:spcPts val="600"/>
-              </a:spcAft>
-              <a:buClrTx/>
-              <a:buSzTx/>
-              <a:buFont typeface="Arial" panose="020B0604020202020204" pitchFamily="34" charset="0"/>
-              <a:buChar char="•"/>
-              <a:defRPr/>
-            </a:pPr>
-            <a:r>
-              <a:rPr lang="en-US" sz="2000" b="1" noProof="0" dirty="0" err="1" smtClean="0">
-                <a:ln>
-                  <a:noFill/>
-                </a:ln>
-                <a:effectLst/>
-                <a:uLnTx/>
-                <a:uFillTx/>
-                <a:latin typeface="Times New Roman" panose="02020603050405020304" charset="0"/>
-                <a:cs typeface="Times New Roman" panose="02020603050405020304" charset="0"/>
-                <a:sym typeface="+mn-ea"/>
-              </a:rPr>
-              <a:t>Nemhauser</a:t>
-            </a:r>
-            <a:r>
-              <a:rPr lang="en-US" sz="2000" b="1" noProof="0" dirty="0" smtClean="0">
-                <a:ln>
-                  <a:noFill/>
-                </a:ln>
-                <a:effectLst/>
-                <a:uLnTx/>
-                <a:uFillTx/>
-                <a:latin typeface="Times New Roman" panose="02020603050405020304" charset="0"/>
-                <a:cs typeface="Times New Roman" panose="02020603050405020304" charset="0"/>
-                <a:sym typeface="+mn-ea"/>
-              </a:rPr>
-              <a:t>, George L., Laurence A. Wolsey, and Marshall L. Fisher. "An analysis of approximations for maximizing </a:t>
-            </a:r>
-            <a:r>
-              <a:rPr lang="en-US" sz="2000" b="1" noProof="0" dirty="0" err="1" smtClean="0">
-                <a:ln>
-                  <a:noFill/>
-                </a:ln>
-                <a:effectLst/>
-                <a:uLnTx/>
-                <a:uFillTx/>
-                <a:latin typeface="Times New Roman" panose="02020603050405020304" charset="0"/>
-                <a:cs typeface="Times New Roman" panose="02020603050405020304" charset="0"/>
-                <a:sym typeface="+mn-ea"/>
-              </a:rPr>
-              <a:t>submodular</a:t>
-            </a:r>
-            <a:r>
-              <a:rPr lang="en-US" sz="2000" b="1" noProof="0" dirty="0" smtClean="0">
-                <a:ln>
-                  <a:noFill/>
-                </a:ln>
-                <a:effectLst/>
-                <a:uLnTx/>
-                <a:uFillTx/>
-                <a:latin typeface="Times New Roman" panose="02020603050405020304" charset="0"/>
-                <a:cs typeface="Times New Roman" panose="02020603050405020304" charset="0"/>
-                <a:sym typeface="+mn-ea"/>
-              </a:rPr>
-              <a:t> set functions—I." Mathematical Programming 14.1 (1978): 265-294.</a:t>
-            </a:r>
-            <a:endParaRPr kumimoji="0" lang="en-US" sz="2000" b="1" i="0" u="none" strike="noStrike" kern="1200" cap="none" spc="0" normalizeH="0" baseline="0" noProof="0" dirty="0" smtClean="0">
-              <a:ln>
-                <a:noFill/>
-              </a:ln>
-              <a:solidFill>
-                <a:schemeClr val="tx1"/>
-              </a:solidFill>
-              <a:effectLst/>
-              <a:uLnTx/>
-              <a:uFillTx/>
-              <a:latin typeface="Times New Roman" panose="02020603050405020304" charset="0"/>
-              <a:ea typeface="+mn-ea"/>
-              <a:cs typeface="Times New Roman" panose="02020603050405020304" charset="0"/>
-            </a:endParaRPr>
-          </a:p>
-          <a:p>
-            <a:pPr marL="457200" marR="0" lvl="0" indent="-457200" algn="l" defTabSz="914400" rtl="0" eaLnBrk="1" fontAlgn="base" latinLnBrk="0" hangingPunct="1">
-              <a:lnSpc>
-                <a:spcPct val="100000"/>
-              </a:lnSpc>
-              <a:spcBef>
-                <a:spcPct val="20000"/>
-              </a:spcBef>
-              <a:spcAft>
-                <a:spcPts val="600"/>
-              </a:spcAft>
-              <a:buClrTx/>
-              <a:buSzTx/>
-              <a:buFont typeface="Arial" panose="020B0604020202020204" pitchFamily="34" charset="0"/>
-              <a:buChar char="•"/>
-              <a:defRPr/>
-            </a:pPr>
-            <a:r>
-              <a:rPr lang="en-US" sz="2000" b="1" noProof="0" dirty="0" smtClean="0">
-                <a:ln>
-                  <a:noFill/>
-                </a:ln>
-                <a:effectLst/>
-                <a:uLnTx/>
-                <a:uFillTx/>
-                <a:latin typeface="Times New Roman" panose="02020603050405020304" charset="0"/>
-                <a:cs typeface="Times New Roman" panose="02020603050405020304" charset="0"/>
-                <a:sym typeface="+mn-ea"/>
-                <a:hlinkClick r:id="rId1"/>
-              </a:rPr>
-              <a:t>Abigail See</a:t>
-            </a:r>
-            <a:r>
-              <a:rPr lang="en-US" sz="2000" b="1" noProof="0" dirty="0" smtClean="0">
-                <a:ln>
-                  <a:noFill/>
-                </a:ln>
-                <a:effectLst/>
-                <a:uLnTx/>
-                <a:uFillTx/>
-                <a:latin typeface="Times New Roman" panose="02020603050405020304" charset="0"/>
-                <a:cs typeface="Times New Roman" panose="02020603050405020304" charset="0"/>
-                <a:sym typeface="+mn-ea"/>
-              </a:rPr>
-              <a:t>, </a:t>
-            </a:r>
-            <a:r>
-              <a:rPr lang="en-US" sz="2000" b="1" noProof="0" dirty="0" smtClean="0">
-                <a:ln>
-                  <a:noFill/>
-                </a:ln>
-                <a:effectLst/>
-                <a:uLnTx/>
-                <a:uFillTx/>
-                <a:latin typeface="Times New Roman" panose="02020603050405020304" charset="0"/>
-                <a:cs typeface="Times New Roman" panose="02020603050405020304" charset="0"/>
-                <a:sym typeface="+mn-ea"/>
-                <a:hlinkClick r:id="rId2"/>
-              </a:rPr>
-              <a:t>Peter J. Liu</a:t>
-            </a:r>
-            <a:r>
-              <a:rPr lang="en-US" sz="2000" b="1" noProof="0" dirty="0" smtClean="0">
-                <a:ln>
-                  <a:noFill/>
-                </a:ln>
-                <a:effectLst/>
-                <a:uLnTx/>
-                <a:uFillTx/>
-                <a:latin typeface="Times New Roman" panose="02020603050405020304" charset="0"/>
-                <a:cs typeface="Times New Roman" panose="02020603050405020304" charset="0"/>
-                <a:sym typeface="+mn-ea"/>
-              </a:rPr>
-              <a:t>, </a:t>
-            </a:r>
-            <a:r>
-              <a:rPr lang="en-US" sz="2000" b="1" noProof="0" dirty="0" smtClean="0">
-                <a:ln>
-                  <a:noFill/>
-                </a:ln>
-                <a:effectLst/>
-                <a:uLnTx/>
-                <a:uFillTx/>
-                <a:latin typeface="Times New Roman" panose="02020603050405020304" charset="0"/>
-                <a:cs typeface="Times New Roman" panose="02020603050405020304" charset="0"/>
-                <a:sym typeface="+mn-ea"/>
-                <a:hlinkClick r:id="rId3"/>
-              </a:rPr>
-              <a:t>Christopher D. Manning</a:t>
-            </a:r>
-            <a:r>
-              <a:rPr lang="en-US" sz="2000" b="1" noProof="0" dirty="0" smtClean="0">
-                <a:ln>
-                  <a:noFill/>
-                </a:ln>
-                <a:effectLst/>
-                <a:uLnTx/>
-                <a:uFillTx/>
-                <a:latin typeface="Times New Roman" panose="02020603050405020304" charset="0"/>
-                <a:cs typeface="Times New Roman" panose="02020603050405020304" charset="0"/>
-                <a:sym typeface="+mn-ea"/>
-              </a:rPr>
-              <a:t>,” Get To The Point: Summarization with Pointer-Generator Networks”, (Submitted on 14 Apr 2017 (</a:t>
-            </a:r>
-            <a:r>
-              <a:rPr lang="en-US" sz="2000" b="1" noProof="0" dirty="0" smtClean="0">
-                <a:ln>
-                  <a:noFill/>
-                </a:ln>
-                <a:effectLst/>
-                <a:uLnTx/>
-                <a:uFillTx/>
-                <a:latin typeface="Times New Roman" panose="02020603050405020304" charset="0"/>
-                <a:cs typeface="Times New Roman" panose="02020603050405020304" charset="0"/>
-                <a:sym typeface="+mn-ea"/>
-                <a:hlinkClick r:id="rId4"/>
-              </a:rPr>
-              <a:t>v1</a:t>
-            </a:r>
-            <a:r>
-              <a:rPr lang="en-US" sz="2000" b="1" noProof="0" dirty="0" smtClean="0">
-                <a:ln>
-                  <a:noFill/>
-                </a:ln>
-                <a:effectLst/>
-                <a:uLnTx/>
-                <a:uFillTx/>
-                <a:latin typeface="Times New Roman" panose="02020603050405020304" charset="0"/>
-                <a:cs typeface="Times New Roman" panose="02020603050405020304" charset="0"/>
-                <a:sym typeface="+mn-ea"/>
-              </a:rPr>
-              <a:t>), last revised 25 Apr 2017 (this version, v2))</a:t>
-            </a:r>
-            <a:endParaRPr kumimoji="0" lang="en-US" sz="2000" b="1" i="0" u="none" strike="noStrike" kern="1200" cap="none" spc="0" normalizeH="0" baseline="0" noProof="0" dirty="0" smtClean="0">
-              <a:ln>
-                <a:noFill/>
-              </a:ln>
-              <a:solidFill>
-                <a:schemeClr val="tx1"/>
-              </a:solidFill>
-              <a:effectLst/>
-              <a:uLnTx/>
-              <a:uFillTx/>
-              <a:latin typeface="Times New Roman" panose="02020603050405020304" charset="0"/>
-              <a:ea typeface="+mn-ea"/>
-              <a:cs typeface="Times New Roman" panose="02020603050405020304" charset="0"/>
-            </a:endParaRPr>
-          </a:p>
-          <a:p>
-            <a:pPr marL="457200" marR="0" lvl="0" indent="-457200" algn="l" defTabSz="914400" rtl="0" eaLnBrk="1" fontAlgn="base" latinLnBrk="0" hangingPunct="1">
-              <a:lnSpc>
-                <a:spcPct val="100000"/>
-              </a:lnSpc>
-              <a:spcBef>
-                <a:spcPct val="20000"/>
-              </a:spcBef>
-              <a:spcAft>
-                <a:spcPts val="600"/>
-              </a:spcAft>
-              <a:buClrTx/>
-              <a:buSzTx/>
-              <a:buFont typeface="Arial" panose="020B0604020202020204" pitchFamily="34" charset="0"/>
-              <a:buChar char="•"/>
-              <a:defRPr/>
-            </a:pPr>
-            <a:r>
-              <a:rPr lang="en-US" sz="2000" b="1" noProof="0" dirty="0" err="1" smtClean="0">
-                <a:ln>
-                  <a:noFill/>
-                </a:ln>
-                <a:effectLst/>
-                <a:uLnTx/>
-                <a:uFillTx/>
-                <a:latin typeface="Times New Roman" panose="02020603050405020304" charset="0"/>
-                <a:cs typeface="Times New Roman" panose="02020603050405020304" charset="0"/>
-                <a:sym typeface="+mn-ea"/>
-                <a:hlinkClick r:id="rId5"/>
-              </a:rPr>
-              <a:t>Ramesh</a:t>
-            </a:r>
-            <a:r>
-              <a:rPr lang="en-US" sz="2000" b="1" noProof="0" dirty="0" smtClean="0">
-                <a:ln>
-                  <a:noFill/>
-                </a:ln>
-                <a:effectLst/>
-                <a:uLnTx/>
-                <a:uFillTx/>
-                <a:latin typeface="Times New Roman" panose="02020603050405020304" charset="0"/>
-                <a:cs typeface="Times New Roman" panose="02020603050405020304" charset="0"/>
-                <a:sym typeface="+mn-ea"/>
-                <a:hlinkClick r:id="rId5"/>
-              </a:rPr>
-              <a:t> </a:t>
-            </a:r>
-            <a:r>
-              <a:rPr lang="en-US" sz="2000" b="1" noProof="0" dirty="0" err="1" smtClean="0">
-                <a:ln>
-                  <a:noFill/>
-                </a:ln>
-                <a:effectLst/>
-                <a:uLnTx/>
-                <a:uFillTx/>
-                <a:latin typeface="Times New Roman" panose="02020603050405020304" charset="0"/>
-                <a:cs typeface="Times New Roman" panose="02020603050405020304" charset="0"/>
-                <a:sym typeface="+mn-ea"/>
-                <a:hlinkClick r:id="rId5"/>
-              </a:rPr>
-              <a:t>Nallapati</a:t>
-            </a:r>
-            <a:r>
-              <a:rPr lang="en-US" sz="2000" b="1" noProof="0" dirty="0" smtClean="0">
-                <a:ln>
-                  <a:noFill/>
-                </a:ln>
-                <a:effectLst/>
-                <a:uLnTx/>
-                <a:uFillTx/>
-                <a:latin typeface="Times New Roman" panose="02020603050405020304" charset="0"/>
-                <a:cs typeface="Times New Roman" panose="02020603050405020304" charset="0"/>
-                <a:sym typeface="+mn-ea"/>
-              </a:rPr>
-              <a:t>, </a:t>
-            </a:r>
-            <a:r>
-              <a:rPr lang="en-US" sz="2000" b="1" noProof="0" dirty="0" smtClean="0">
-                <a:ln>
-                  <a:noFill/>
-                </a:ln>
-                <a:effectLst/>
-                <a:uLnTx/>
-                <a:uFillTx/>
-                <a:latin typeface="Times New Roman" panose="02020603050405020304" charset="0"/>
-                <a:cs typeface="Times New Roman" panose="02020603050405020304" charset="0"/>
-                <a:sym typeface="+mn-ea"/>
-                <a:hlinkClick r:id="rId6"/>
-              </a:rPr>
-              <a:t>Bowen Zhou</a:t>
-            </a:r>
-            <a:r>
-              <a:rPr lang="en-US" sz="2000" b="1" noProof="0" dirty="0" smtClean="0">
-                <a:ln>
-                  <a:noFill/>
-                </a:ln>
-                <a:effectLst/>
-                <a:uLnTx/>
-                <a:uFillTx/>
-                <a:latin typeface="Times New Roman" panose="02020603050405020304" charset="0"/>
-                <a:cs typeface="Times New Roman" panose="02020603050405020304" charset="0"/>
-                <a:sym typeface="+mn-ea"/>
-              </a:rPr>
-              <a:t>, </a:t>
-            </a:r>
-            <a:r>
-              <a:rPr lang="en-US" sz="2000" b="1" noProof="0" dirty="0" smtClean="0">
-                <a:ln>
-                  <a:noFill/>
-                </a:ln>
-                <a:effectLst/>
-                <a:uLnTx/>
-                <a:uFillTx/>
-                <a:latin typeface="Times New Roman" panose="02020603050405020304" charset="0"/>
-                <a:cs typeface="Times New Roman" panose="02020603050405020304" charset="0"/>
-                <a:sym typeface="+mn-ea"/>
-                <a:hlinkClick r:id="rId7"/>
-              </a:rPr>
-              <a:t>Cicero </a:t>
-            </a:r>
-            <a:r>
-              <a:rPr lang="en-US" sz="2000" b="1" noProof="0" dirty="0" err="1" smtClean="0">
-                <a:ln>
-                  <a:noFill/>
-                </a:ln>
-                <a:effectLst/>
-                <a:uLnTx/>
-                <a:uFillTx/>
-                <a:latin typeface="Times New Roman" panose="02020603050405020304" charset="0"/>
-                <a:cs typeface="Times New Roman" panose="02020603050405020304" charset="0"/>
-                <a:sym typeface="+mn-ea"/>
-                <a:hlinkClick r:id="rId7"/>
-              </a:rPr>
-              <a:t>Nogueira</a:t>
-            </a:r>
-            <a:r>
-              <a:rPr lang="en-US" sz="2000" b="1" noProof="0" dirty="0" smtClean="0">
-                <a:ln>
-                  <a:noFill/>
-                </a:ln>
-                <a:effectLst/>
-                <a:uLnTx/>
-                <a:uFillTx/>
-                <a:latin typeface="Times New Roman" panose="02020603050405020304" charset="0"/>
-                <a:cs typeface="Times New Roman" panose="02020603050405020304" charset="0"/>
-                <a:sym typeface="+mn-ea"/>
-                <a:hlinkClick r:id="rId7"/>
-              </a:rPr>
-              <a:t> dos </a:t>
-            </a:r>
-            <a:r>
-              <a:rPr lang="en-US" sz="2000" b="1" noProof="0" dirty="0" err="1" smtClean="0">
-                <a:ln>
-                  <a:noFill/>
-                </a:ln>
-                <a:effectLst/>
-                <a:uLnTx/>
-                <a:uFillTx/>
-                <a:latin typeface="Times New Roman" panose="02020603050405020304" charset="0"/>
-                <a:cs typeface="Times New Roman" panose="02020603050405020304" charset="0"/>
-                <a:sym typeface="+mn-ea"/>
-                <a:hlinkClick r:id="rId7"/>
-              </a:rPr>
-              <a:t>santos</a:t>
-            </a:r>
-            <a:r>
-              <a:rPr lang="en-US" sz="2000" b="1" noProof="0" dirty="0" smtClean="0">
-                <a:ln>
-                  <a:noFill/>
-                </a:ln>
-                <a:effectLst/>
-                <a:uLnTx/>
-                <a:uFillTx/>
-                <a:latin typeface="Times New Roman" panose="02020603050405020304" charset="0"/>
-                <a:cs typeface="Times New Roman" panose="02020603050405020304" charset="0"/>
-                <a:sym typeface="+mn-ea"/>
-              </a:rPr>
-              <a:t>, </a:t>
-            </a:r>
-            <a:r>
-              <a:rPr lang="en-US" sz="2000" b="1" noProof="0" dirty="0" err="1" smtClean="0">
-                <a:ln>
-                  <a:noFill/>
-                </a:ln>
-                <a:effectLst/>
-                <a:uLnTx/>
-                <a:uFillTx/>
-                <a:latin typeface="Times New Roman" panose="02020603050405020304" charset="0"/>
-                <a:cs typeface="Times New Roman" panose="02020603050405020304" charset="0"/>
-                <a:sym typeface="+mn-ea"/>
-                <a:hlinkClick r:id="rId8"/>
-              </a:rPr>
-              <a:t>Caglar</a:t>
-            </a:r>
-            <a:r>
-              <a:rPr lang="en-US" sz="2000" b="1" noProof="0" dirty="0" smtClean="0">
-                <a:ln>
-                  <a:noFill/>
-                </a:ln>
-                <a:effectLst/>
-                <a:uLnTx/>
-                <a:uFillTx/>
-                <a:latin typeface="Times New Roman" panose="02020603050405020304" charset="0"/>
-                <a:cs typeface="Times New Roman" panose="02020603050405020304" charset="0"/>
-                <a:sym typeface="+mn-ea"/>
-                <a:hlinkClick r:id="rId8"/>
-              </a:rPr>
-              <a:t> </a:t>
-            </a:r>
-            <a:r>
-              <a:rPr lang="en-US" sz="2000" b="1" noProof="0" dirty="0" err="1" smtClean="0">
-                <a:ln>
-                  <a:noFill/>
-                </a:ln>
-                <a:effectLst/>
-                <a:uLnTx/>
-                <a:uFillTx/>
-                <a:latin typeface="Times New Roman" panose="02020603050405020304" charset="0"/>
-                <a:cs typeface="Times New Roman" panose="02020603050405020304" charset="0"/>
-                <a:sym typeface="+mn-ea"/>
-                <a:hlinkClick r:id="rId8"/>
-              </a:rPr>
-              <a:t>Gulcehre</a:t>
-            </a:r>
-            <a:r>
-              <a:rPr lang="en-US" sz="2000" b="1" noProof="0" dirty="0" smtClean="0">
-                <a:ln>
-                  <a:noFill/>
-                </a:ln>
-                <a:effectLst/>
-                <a:uLnTx/>
-                <a:uFillTx/>
-                <a:latin typeface="Times New Roman" panose="02020603050405020304" charset="0"/>
-                <a:cs typeface="Times New Roman" panose="02020603050405020304" charset="0"/>
-                <a:sym typeface="+mn-ea"/>
-              </a:rPr>
-              <a:t>, </a:t>
-            </a:r>
-            <a:r>
-              <a:rPr lang="en-US" sz="2000" b="1" noProof="0" dirty="0" smtClean="0">
-                <a:ln>
-                  <a:noFill/>
-                </a:ln>
-                <a:effectLst/>
-                <a:uLnTx/>
-                <a:uFillTx/>
-                <a:latin typeface="Times New Roman" panose="02020603050405020304" charset="0"/>
-                <a:cs typeface="Times New Roman" panose="02020603050405020304" charset="0"/>
-                <a:sym typeface="+mn-ea"/>
-                <a:hlinkClick r:id="rId9"/>
-              </a:rPr>
-              <a:t>Bing Xiang</a:t>
-            </a:r>
-            <a:r>
-              <a:rPr lang="en-US" sz="2000" b="1" noProof="0" dirty="0" smtClean="0">
-                <a:ln>
-                  <a:noFill/>
-                </a:ln>
-                <a:effectLst/>
-                <a:uLnTx/>
-                <a:uFillTx/>
-                <a:latin typeface="Times New Roman" panose="02020603050405020304" charset="0"/>
-                <a:cs typeface="Times New Roman" panose="02020603050405020304" charset="0"/>
-                <a:sym typeface="+mn-ea"/>
-              </a:rPr>
-              <a:t>,” Abstractive Text Summarization Using Sequence-to-Sequence RNNs and Beyond”,( Submitted on 19 Feb 2016 (</a:t>
-            </a:r>
-            <a:r>
-              <a:rPr lang="en-US" sz="2000" b="1" noProof="0" dirty="0" smtClean="0">
-                <a:ln>
-                  <a:noFill/>
-                </a:ln>
-                <a:effectLst/>
-                <a:uLnTx/>
-                <a:uFillTx/>
-                <a:latin typeface="Times New Roman" panose="02020603050405020304" charset="0"/>
-                <a:cs typeface="Times New Roman" panose="02020603050405020304" charset="0"/>
-                <a:sym typeface="+mn-ea"/>
-                <a:hlinkClick r:id="rId10"/>
-              </a:rPr>
-              <a:t>v1</a:t>
-            </a:r>
-            <a:r>
-              <a:rPr lang="en-US" sz="2000" b="1" noProof="0" dirty="0" smtClean="0">
-                <a:ln>
-                  <a:noFill/>
-                </a:ln>
-                <a:effectLst/>
-                <a:uLnTx/>
-                <a:uFillTx/>
-                <a:latin typeface="Times New Roman" panose="02020603050405020304" charset="0"/>
-                <a:cs typeface="Times New Roman" panose="02020603050405020304" charset="0"/>
-                <a:sym typeface="+mn-ea"/>
-              </a:rPr>
-              <a:t>), last revised 26 Aug 2016 (this version, v5))</a:t>
-            </a:r>
-            <a:endParaRPr kumimoji="0" lang="en-US" sz="2000" b="1" i="0" u="none" strike="noStrike" kern="1200" cap="none" spc="0" normalizeH="0" baseline="0" noProof="0" dirty="0" smtClean="0">
-              <a:ln>
-                <a:noFill/>
-              </a:ln>
-              <a:solidFill>
-                <a:schemeClr val="tx1"/>
-              </a:solidFill>
-              <a:effectLst/>
-              <a:uLnTx/>
-              <a:uFillTx/>
-              <a:latin typeface="Times New Roman" panose="02020603050405020304" charset="0"/>
-              <a:ea typeface="+mn-ea"/>
-              <a:cs typeface="Times New Roman" panose="02020603050405020304" charset="0"/>
-            </a:endParaRPr>
-          </a:p>
-          <a:p>
-            <a:pPr marL="457200" marR="0" lvl="0" indent="-457200" algn="l" defTabSz="914400" rtl="0" eaLnBrk="1" fontAlgn="base" latinLnBrk="0" hangingPunct="1">
-              <a:lnSpc>
-                <a:spcPct val="100000"/>
-              </a:lnSpc>
-              <a:spcBef>
-                <a:spcPct val="20000"/>
-              </a:spcBef>
-              <a:spcAft>
-                <a:spcPts val="600"/>
-              </a:spcAft>
-              <a:buClrTx/>
-              <a:buSzTx/>
-              <a:buFont typeface="Arial" panose="020B0604020202020204" pitchFamily="34" charset="0"/>
-              <a:buChar char="•"/>
-              <a:defRPr/>
-            </a:pPr>
-            <a:r>
-              <a:rPr lang="en-US" sz="2000" b="1" noProof="0" dirty="0" smtClean="0">
-                <a:ln>
-                  <a:noFill/>
-                </a:ln>
-                <a:effectLst/>
-                <a:uLnTx/>
-                <a:uFillTx/>
-                <a:latin typeface="Times New Roman" panose="02020603050405020304" charset="0"/>
-                <a:cs typeface="Times New Roman" panose="02020603050405020304" charset="0"/>
-                <a:sym typeface="+mn-ea"/>
-              </a:rPr>
-              <a:t>Alexander M. Rush, </a:t>
-            </a:r>
-            <a:r>
-              <a:rPr lang="en-US" sz="2000" b="1" noProof="0" dirty="0" err="1" smtClean="0">
-                <a:ln>
-                  <a:noFill/>
-                </a:ln>
-                <a:effectLst/>
-                <a:uLnTx/>
-                <a:uFillTx/>
-                <a:latin typeface="Times New Roman" panose="02020603050405020304" charset="0"/>
-                <a:cs typeface="Times New Roman" panose="02020603050405020304" charset="0"/>
-                <a:sym typeface="+mn-ea"/>
-              </a:rPr>
-              <a:t>Sumit</a:t>
-            </a:r>
-            <a:r>
-              <a:rPr lang="en-US" sz="2000" b="1" noProof="0" dirty="0" smtClean="0">
-                <a:ln>
-                  <a:noFill/>
-                </a:ln>
-                <a:effectLst/>
-                <a:uLnTx/>
-                <a:uFillTx/>
-                <a:latin typeface="Times New Roman" panose="02020603050405020304" charset="0"/>
-                <a:cs typeface="Times New Roman" panose="02020603050405020304" charset="0"/>
-                <a:sym typeface="+mn-ea"/>
-              </a:rPr>
-              <a:t> Chopra, Jason Weston,” A Neural Attention Model for Abstractive Sentence Summarization”, 3 Sep 2015</a:t>
-            </a:r>
-            <a:endParaRPr kumimoji="0" lang="en-US" sz="2000" b="1" i="0" u="none" strike="noStrike" kern="1200" cap="none" spc="0" normalizeH="0" baseline="0" noProof="0" dirty="0" smtClean="0">
-              <a:ln>
-                <a:noFill/>
-              </a:ln>
-              <a:solidFill>
-                <a:schemeClr val="tx1"/>
-              </a:solidFill>
-              <a:effectLst/>
-              <a:uLnTx/>
-              <a:uFillTx/>
-              <a:latin typeface="Times New Roman" panose="02020603050405020304" charset="0"/>
-              <a:ea typeface="+mn-ea"/>
-              <a:cs typeface="Times New Roman" panose="02020603050405020304" charset="0"/>
-            </a:endParaRPr>
-          </a:p>
-          <a:p>
-            <a:pPr marL="457200" marR="0" lvl="0" indent="-457200" algn="l" defTabSz="914400" rtl="0" eaLnBrk="1" fontAlgn="base" latinLnBrk="0" hangingPunct="1">
-              <a:lnSpc>
-                <a:spcPct val="100000"/>
-              </a:lnSpc>
-              <a:spcBef>
-                <a:spcPct val="20000"/>
-              </a:spcBef>
-              <a:spcAft>
-                <a:spcPts val="600"/>
-              </a:spcAft>
-              <a:buClrTx/>
-              <a:buSzTx/>
-              <a:buFont typeface="Arial" panose="020B0604020202020204" pitchFamily="34" charset="0"/>
-              <a:buChar char="•"/>
-              <a:defRPr/>
-            </a:pPr>
-            <a:r>
-              <a:rPr lang="en-US" sz="2000" b="1" noProof="0" dirty="0" err="1" smtClean="0">
-                <a:ln>
-                  <a:noFill/>
-                </a:ln>
-                <a:effectLst/>
-                <a:uLnTx/>
-                <a:uFillTx/>
-                <a:latin typeface="Times New Roman" panose="02020603050405020304" charset="0"/>
-                <a:cs typeface="Times New Roman" panose="02020603050405020304" charset="0"/>
-                <a:sym typeface="+mn-ea"/>
-                <a:hlinkClick r:id="rId11"/>
-              </a:rPr>
-              <a:t>Mehdi</a:t>
-            </a:r>
-            <a:r>
-              <a:rPr lang="en-US" sz="2000" b="1" noProof="0" dirty="0" smtClean="0">
-                <a:ln>
-                  <a:noFill/>
-                </a:ln>
-                <a:effectLst/>
-                <a:uLnTx/>
-                <a:uFillTx/>
-                <a:latin typeface="Times New Roman" panose="02020603050405020304" charset="0"/>
-                <a:cs typeface="Times New Roman" panose="02020603050405020304" charset="0"/>
-                <a:sym typeface="+mn-ea"/>
-                <a:hlinkClick r:id="rId11"/>
-              </a:rPr>
-              <a:t> </a:t>
-            </a:r>
-            <a:r>
-              <a:rPr lang="en-US" sz="2000" b="1" noProof="0" dirty="0" err="1" smtClean="0">
-                <a:ln>
-                  <a:noFill/>
-                </a:ln>
-                <a:effectLst/>
-                <a:uLnTx/>
-                <a:uFillTx/>
-                <a:latin typeface="Times New Roman" panose="02020603050405020304" charset="0"/>
-                <a:cs typeface="Times New Roman" panose="02020603050405020304" charset="0"/>
-                <a:sym typeface="+mn-ea"/>
-                <a:hlinkClick r:id="rId11"/>
-              </a:rPr>
-              <a:t>Allahyari</a:t>
-            </a:r>
-            <a:r>
-              <a:rPr lang="en-US" sz="2000" b="1" noProof="0" dirty="0" smtClean="0">
-                <a:ln>
-                  <a:noFill/>
-                </a:ln>
-                <a:effectLst/>
-                <a:uLnTx/>
-                <a:uFillTx/>
-                <a:latin typeface="Times New Roman" panose="02020603050405020304" charset="0"/>
-                <a:cs typeface="Times New Roman" panose="02020603050405020304" charset="0"/>
-                <a:sym typeface="+mn-ea"/>
-              </a:rPr>
-              <a:t>, </a:t>
-            </a:r>
-            <a:r>
-              <a:rPr lang="en-US" sz="2000" b="1" noProof="0" dirty="0" err="1" smtClean="0">
-                <a:ln>
-                  <a:noFill/>
-                </a:ln>
-                <a:effectLst/>
-                <a:uLnTx/>
-                <a:uFillTx/>
-                <a:latin typeface="Times New Roman" panose="02020603050405020304" charset="0"/>
-                <a:cs typeface="Times New Roman" panose="02020603050405020304" charset="0"/>
-                <a:sym typeface="+mn-ea"/>
-                <a:hlinkClick r:id="rId12"/>
-              </a:rPr>
-              <a:t>Seyedamin</a:t>
-            </a:r>
-            <a:r>
-              <a:rPr lang="en-US" sz="2000" b="1" noProof="0" dirty="0" smtClean="0">
-                <a:ln>
-                  <a:noFill/>
-                </a:ln>
-                <a:effectLst/>
-                <a:uLnTx/>
-                <a:uFillTx/>
-                <a:latin typeface="Times New Roman" panose="02020603050405020304" charset="0"/>
-                <a:cs typeface="Times New Roman" panose="02020603050405020304" charset="0"/>
-                <a:sym typeface="+mn-ea"/>
-                <a:hlinkClick r:id="rId12"/>
-              </a:rPr>
-              <a:t> </a:t>
-            </a:r>
-            <a:r>
-              <a:rPr lang="en-US" sz="2000" b="1" noProof="0" dirty="0" err="1" smtClean="0">
-                <a:ln>
-                  <a:noFill/>
-                </a:ln>
-                <a:effectLst/>
-                <a:uLnTx/>
-                <a:uFillTx/>
-                <a:latin typeface="Times New Roman" panose="02020603050405020304" charset="0"/>
-                <a:cs typeface="Times New Roman" panose="02020603050405020304" charset="0"/>
-                <a:sym typeface="+mn-ea"/>
-                <a:hlinkClick r:id="rId12"/>
-              </a:rPr>
-              <a:t>Pouriyeh</a:t>
-            </a:r>
-            <a:r>
-              <a:rPr lang="en-US" sz="2000" b="1" noProof="0" dirty="0" smtClean="0">
-                <a:ln>
-                  <a:noFill/>
-                </a:ln>
-                <a:effectLst/>
-                <a:uLnTx/>
-                <a:uFillTx/>
-                <a:latin typeface="Times New Roman" panose="02020603050405020304" charset="0"/>
-                <a:cs typeface="Times New Roman" panose="02020603050405020304" charset="0"/>
-                <a:sym typeface="+mn-ea"/>
-              </a:rPr>
-              <a:t>, </a:t>
-            </a:r>
-            <a:r>
-              <a:rPr lang="en-US" sz="2000" b="1" noProof="0" dirty="0" err="1" smtClean="0">
-                <a:ln>
-                  <a:noFill/>
-                </a:ln>
-                <a:effectLst/>
-                <a:uLnTx/>
-                <a:uFillTx/>
-                <a:latin typeface="Times New Roman" panose="02020603050405020304" charset="0"/>
-                <a:cs typeface="Times New Roman" panose="02020603050405020304" charset="0"/>
-                <a:sym typeface="+mn-ea"/>
-                <a:hlinkClick r:id="rId13"/>
-              </a:rPr>
-              <a:t>Mehdi</a:t>
-            </a:r>
-            <a:r>
-              <a:rPr lang="en-US" sz="2000" b="1" noProof="0" dirty="0" smtClean="0">
-                <a:ln>
-                  <a:noFill/>
-                </a:ln>
-                <a:effectLst/>
-                <a:uLnTx/>
-                <a:uFillTx/>
-                <a:latin typeface="Times New Roman" panose="02020603050405020304" charset="0"/>
-                <a:cs typeface="Times New Roman" panose="02020603050405020304" charset="0"/>
-                <a:sym typeface="+mn-ea"/>
-                <a:hlinkClick r:id="rId13"/>
-              </a:rPr>
-              <a:t> </a:t>
-            </a:r>
-            <a:r>
-              <a:rPr lang="en-US" sz="2000" b="1" noProof="0" dirty="0" err="1" smtClean="0">
-                <a:ln>
-                  <a:noFill/>
-                </a:ln>
-                <a:effectLst/>
-                <a:uLnTx/>
-                <a:uFillTx/>
-                <a:latin typeface="Times New Roman" panose="02020603050405020304" charset="0"/>
-                <a:cs typeface="Times New Roman" panose="02020603050405020304" charset="0"/>
-                <a:sym typeface="+mn-ea"/>
-                <a:hlinkClick r:id="rId13"/>
-              </a:rPr>
-              <a:t>Assefi</a:t>
-            </a:r>
-            <a:r>
-              <a:rPr lang="en-US" sz="2000" b="1" noProof="0" dirty="0" smtClean="0">
-                <a:ln>
-                  <a:noFill/>
-                </a:ln>
-                <a:effectLst/>
-                <a:uLnTx/>
-                <a:uFillTx/>
-                <a:latin typeface="Times New Roman" panose="02020603050405020304" charset="0"/>
-                <a:cs typeface="Times New Roman" panose="02020603050405020304" charset="0"/>
-                <a:sym typeface="+mn-ea"/>
-              </a:rPr>
-              <a:t>, </a:t>
-            </a:r>
-            <a:r>
-              <a:rPr lang="en-US" sz="2000" b="1" noProof="0" dirty="0" err="1" smtClean="0">
-                <a:ln>
-                  <a:noFill/>
-                </a:ln>
-                <a:effectLst/>
-                <a:uLnTx/>
-                <a:uFillTx/>
-                <a:latin typeface="Times New Roman" panose="02020603050405020304" charset="0"/>
-                <a:cs typeface="Times New Roman" panose="02020603050405020304" charset="0"/>
-                <a:sym typeface="+mn-ea"/>
-                <a:hlinkClick r:id="rId14"/>
-              </a:rPr>
-              <a:t>Saeid</a:t>
-            </a:r>
-            <a:r>
-              <a:rPr lang="en-US" sz="2000" b="1" noProof="0" dirty="0" smtClean="0">
-                <a:ln>
-                  <a:noFill/>
-                </a:ln>
-                <a:effectLst/>
-                <a:uLnTx/>
-                <a:uFillTx/>
-                <a:latin typeface="Times New Roman" panose="02020603050405020304" charset="0"/>
-                <a:cs typeface="Times New Roman" panose="02020603050405020304" charset="0"/>
-                <a:sym typeface="+mn-ea"/>
-                <a:hlinkClick r:id="rId14"/>
-              </a:rPr>
-              <a:t> </a:t>
-            </a:r>
-            <a:r>
-              <a:rPr lang="en-US" sz="2000" b="1" noProof="0" dirty="0" err="1" smtClean="0">
-                <a:ln>
-                  <a:noFill/>
-                </a:ln>
-                <a:effectLst/>
-                <a:uLnTx/>
-                <a:uFillTx/>
-                <a:latin typeface="Times New Roman" panose="02020603050405020304" charset="0"/>
-                <a:cs typeface="Times New Roman" panose="02020603050405020304" charset="0"/>
-                <a:sym typeface="+mn-ea"/>
-                <a:hlinkClick r:id="rId14"/>
-              </a:rPr>
-              <a:t>Safaei</a:t>
-            </a:r>
-            <a:r>
-              <a:rPr lang="en-US" sz="2000" b="1" noProof="0" dirty="0" smtClean="0">
-                <a:ln>
-                  <a:noFill/>
-                </a:ln>
-                <a:effectLst/>
-                <a:uLnTx/>
-                <a:uFillTx/>
-                <a:latin typeface="Times New Roman" panose="02020603050405020304" charset="0"/>
-                <a:cs typeface="Times New Roman" panose="02020603050405020304" charset="0"/>
-                <a:sym typeface="+mn-ea"/>
-              </a:rPr>
-              <a:t>, </a:t>
-            </a:r>
-            <a:r>
-              <a:rPr lang="en-US" sz="2000" b="1" noProof="0" dirty="0" smtClean="0">
-                <a:ln>
-                  <a:noFill/>
-                </a:ln>
-                <a:effectLst/>
-                <a:uLnTx/>
-                <a:uFillTx/>
-                <a:latin typeface="Times New Roman" panose="02020603050405020304" charset="0"/>
-                <a:cs typeface="Times New Roman" panose="02020603050405020304" charset="0"/>
-                <a:sym typeface="+mn-ea"/>
-                <a:hlinkClick r:id="rId15"/>
-              </a:rPr>
-              <a:t>Elizabeth D. </a:t>
-            </a:r>
-            <a:r>
-              <a:rPr lang="en-US" sz="2000" b="1" noProof="0" dirty="0" err="1" smtClean="0">
-                <a:ln>
-                  <a:noFill/>
-                </a:ln>
-                <a:effectLst/>
-                <a:uLnTx/>
-                <a:uFillTx/>
-                <a:latin typeface="Times New Roman" panose="02020603050405020304" charset="0"/>
-                <a:cs typeface="Times New Roman" panose="02020603050405020304" charset="0"/>
-                <a:sym typeface="+mn-ea"/>
-                <a:hlinkClick r:id="rId15"/>
-              </a:rPr>
-              <a:t>Trippe</a:t>
-            </a:r>
-            <a:r>
-              <a:rPr lang="en-US" sz="2000" b="1" noProof="0" dirty="0" smtClean="0">
-                <a:ln>
-                  <a:noFill/>
-                </a:ln>
-                <a:effectLst/>
-                <a:uLnTx/>
-                <a:uFillTx/>
-                <a:latin typeface="Times New Roman" panose="02020603050405020304" charset="0"/>
-                <a:cs typeface="Times New Roman" panose="02020603050405020304" charset="0"/>
-                <a:sym typeface="+mn-ea"/>
-              </a:rPr>
-              <a:t>, </a:t>
-            </a:r>
-            <a:r>
-              <a:rPr lang="en-US" sz="2000" b="1" noProof="0" dirty="0" smtClean="0">
-                <a:ln>
-                  <a:noFill/>
-                </a:ln>
-                <a:effectLst/>
-                <a:uLnTx/>
-                <a:uFillTx/>
-                <a:latin typeface="Times New Roman" panose="02020603050405020304" charset="0"/>
-                <a:cs typeface="Times New Roman" panose="02020603050405020304" charset="0"/>
-                <a:sym typeface="+mn-ea"/>
-                <a:hlinkClick r:id="rId16"/>
-              </a:rPr>
-              <a:t>Juan B. Gutierrez</a:t>
-            </a:r>
-            <a:r>
-              <a:rPr lang="en-US" sz="2000" b="1" noProof="0" dirty="0" smtClean="0">
-                <a:ln>
-                  <a:noFill/>
-                </a:ln>
-                <a:effectLst/>
-                <a:uLnTx/>
-                <a:uFillTx/>
-                <a:latin typeface="Times New Roman" panose="02020603050405020304" charset="0"/>
-                <a:cs typeface="Times New Roman" panose="02020603050405020304" charset="0"/>
-                <a:sym typeface="+mn-ea"/>
-              </a:rPr>
-              <a:t>, </a:t>
-            </a:r>
-            <a:r>
-              <a:rPr lang="en-US" sz="2000" b="1" noProof="0" dirty="0" err="1" smtClean="0">
-                <a:ln>
-                  <a:noFill/>
-                </a:ln>
-                <a:effectLst/>
-                <a:uLnTx/>
-                <a:uFillTx/>
-                <a:latin typeface="Times New Roman" panose="02020603050405020304" charset="0"/>
-                <a:cs typeface="Times New Roman" panose="02020603050405020304" charset="0"/>
-                <a:sym typeface="+mn-ea"/>
-                <a:hlinkClick r:id="rId17"/>
-              </a:rPr>
-              <a:t>Krys</a:t>
-            </a:r>
-            <a:r>
-              <a:rPr lang="en-US" sz="2000" b="1" noProof="0" dirty="0" smtClean="0">
-                <a:ln>
-                  <a:noFill/>
-                </a:ln>
-                <a:effectLst/>
-                <a:uLnTx/>
-                <a:uFillTx/>
-                <a:latin typeface="Times New Roman" panose="02020603050405020304" charset="0"/>
-                <a:cs typeface="Times New Roman" panose="02020603050405020304" charset="0"/>
-                <a:sym typeface="+mn-ea"/>
-                <a:hlinkClick r:id="rId17"/>
-              </a:rPr>
-              <a:t> </a:t>
-            </a:r>
-            <a:r>
-              <a:rPr lang="en-US" sz="2000" b="1" noProof="0" dirty="0" err="1" smtClean="0">
-                <a:ln>
-                  <a:noFill/>
-                </a:ln>
-                <a:effectLst/>
-                <a:uLnTx/>
-                <a:uFillTx/>
-                <a:latin typeface="Times New Roman" panose="02020603050405020304" charset="0"/>
-                <a:cs typeface="Times New Roman" panose="02020603050405020304" charset="0"/>
-                <a:sym typeface="+mn-ea"/>
-                <a:hlinkClick r:id="rId17"/>
-              </a:rPr>
-              <a:t>Kochut</a:t>
-            </a:r>
-            <a:r>
-              <a:rPr lang="en-US" sz="2000" b="1" noProof="0" dirty="0" smtClean="0">
-                <a:ln>
-                  <a:noFill/>
-                </a:ln>
-                <a:effectLst/>
-                <a:uLnTx/>
-                <a:uFillTx/>
-                <a:latin typeface="Times New Roman" panose="02020603050405020304" charset="0"/>
-                <a:cs typeface="Times New Roman" panose="02020603050405020304" charset="0"/>
-                <a:sym typeface="+mn-ea"/>
-              </a:rPr>
-              <a:t>, “Text Summarization Techniques: A Brief Survey”, (Submitted on 7 Jul 2017 (</a:t>
-            </a:r>
-            <a:r>
-              <a:rPr lang="en-US" sz="2000" b="1" noProof="0" dirty="0" smtClean="0">
-                <a:ln>
-                  <a:noFill/>
-                </a:ln>
-                <a:effectLst/>
-                <a:uLnTx/>
-                <a:uFillTx/>
-                <a:latin typeface="Times New Roman" panose="02020603050405020304" charset="0"/>
-                <a:cs typeface="Times New Roman" panose="02020603050405020304" charset="0"/>
-                <a:sym typeface="+mn-ea"/>
-                <a:hlinkClick r:id="rId18"/>
-              </a:rPr>
-              <a:t>v1</a:t>
-            </a:r>
-            <a:r>
-              <a:rPr lang="en-US" sz="2000" b="1" noProof="0" dirty="0" smtClean="0">
-                <a:ln>
-                  <a:noFill/>
-                </a:ln>
-                <a:effectLst/>
-                <a:uLnTx/>
-                <a:uFillTx/>
-                <a:latin typeface="Times New Roman" panose="02020603050405020304" charset="0"/>
-                <a:cs typeface="Times New Roman" panose="02020603050405020304" charset="0"/>
-                <a:sym typeface="+mn-ea"/>
-              </a:rPr>
-              <a:t>), last revised 28 Jul 2017 (this version, v3))</a:t>
-            </a:r>
-            <a:endParaRPr kumimoji="0" lang="en-US" sz="2000" b="1" i="0" u="none" strike="noStrike" kern="1200" cap="none" spc="0" normalizeH="0" baseline="0" noProof="0" dirty="0" smtClean="0">
-              <a:ln>
-                <a:noFill/>
-              </a:ln>
-              <a:solidFill>
-                <a:schemeClr val="tx1"/>
-              </a:solidFill>
-              <a:effectLst/>
-              <a:uLnTx/>
-              <a:uFillTx/>
-              <a:latin typeface="Times New Roman" panose="02020603050405020304" charset="0"/>
-              <a:ea typeface="+mn-ea"/>
-              <a:cs typeface="Times New Roman" panose="02020603050405020304" charset="0"/>
-            </a:endParaRPr>
-          </a:p>
           <a:p>
             <a:pPr marL="457200" marR="0" lvl="0" indent="-457200" algn="l" defTabSz="914400" rtl="0" eaLnBrk="1" fontAlgn="auto" latinLnBrk="0" hangingPunct="1">
               <a:lnSpc>
@@ -5656,26 +4233,83 @@
               </a:spcAft>
               <a:buClrTx/>
               <a:buSzTx/>
-              <a:buFont typeface="Arial" panose="020B0604020202020204" pitchFamily="34" charset="0"/>
-              <a:buChar char="•"/>
+              <a:buFont typeface="+mj-lt"/>
+              <a:buAutoNum type="arabicPeriod"/>
               <a:defRPr/>
             </a:pPr>
-            <a:endParaRPr kumimoji="0" lang="en-US" sz="2000" b="1" i="0" u="none" strike="noStrike" kern="1200" cap="none" spc="0" normalizeH="0" baseline="0" noProof="0" dirty="0">
-              <a:ln>
-                <a:noFill/>
-              </a:ln>
-              <a:solidFill>
-                <a:schemeClr val="tx1"/>
-              </a:solidFill>
-              <a:effectLst/>
-              <a:uLnTx/>
-              <a:uFillTx/>
-              <a:latin typeface="+mn-lt"/>
-              <a:ea typeface="+mn-ea"/>
-              <a:cs typeface="+mn-cs"/>
-            </a:endParaRPr>
-          </a:p>
-          <a:p>
+            <a:r>
+              <a:rPr lang="en-US" sz="2000"/>
+              <a:t>Extractive Text Summarization Using Word Vector Embedding, Aditya Jain, Divij Bhatia, Manish K Thakur, 2017 International Conference on Machine learning and Data Science </a:t>
+            </a:r>
+            <a:endParaRPr lang="en-US" sz="2000"/>
+          </a:p>
+          <a:p>
+            <a:pPr marL="457200" marR="0" lvl="0" indent="-457200" algn="l" defTabSz="914400" rtl="0" eaLnBrk="1" fontAlgn="auto" latinLnBrk="0" hangingPunct="1">
+              <a:lnSpc>
+                <a:spcPct val="100000"/>
+              </a:lnSpc>
+              <a:spcBef>
+                <a:spcPct val="20000"/>
+              </a:spcBef>
+              <a:spcAft>
+                <a:spcPts val="600"/>
+              </a:spcAft>
+              <a:buClrTx/>
+              <a:buSzTx/>
+              <a:buFont typeface="+mj-lt"/>
+              <a:buAutoNum type="arabicPeriod"/>
+              <a:defRPr/>
+            </a:pPr>
+            <a:r>
+              <a:rPr lang="en-US" sz="2000"/>
+              <a:t>Extractive Text Summarization By Feature-Based Sentence Extraction Using Rule-Based Concept , Siya Sadashiv Naik, Manisha Naik Gaonkar 2017 2nd IEEE International Conference On Recent Trends in Electronics Information &amp; Communication Technology (RTEICT), May 19-20, 2017, India </a:t>
+            </a:r>
+            <a:endParaRPr lang="en-US" sz="2000"/>
+          </a:p>
+          <a:p>
+            <a:pPr marL="457200" marR="0" lvl="0" indent="-457200" algn="l" defTabSz="914400" rtl="0" eaLnBrk="1" fontAlgn="auto" latinLnBrk="0" hangingPunct="1">
+              <a:lnSpc>
+                <a:spcPct val="100000"/>
+              </a:lnSpc>
+              <a:spcBef>
+                <a:spcPct val="20000"/>
+              </a:spcBef>
+              <a:spcAft>
+                <a:spcPts val="600"/>
+              </a:spcAft>
+              <a:buClrTx/>
+              <a:buSzTx/>
+              <a:buFont typeface="+mj-lt"/>
+              <a:buAutoNum type="arabicPeriod"/>
+              <a:defRPr/>
+            </a:pPr>
+            <a:r>
+              <a:rPr lang="en-US" sz="2000"/>
+              <a:t>Query-oriented Text Summarization using Sentence Extraction Techniques Mahsa Afsharizadeh, Hossein Ebrahimpour-Komleh, Ayoub Bagheri  2018 4th International Conference on Web Research (ICWR) </a:t>
+            </a:r>
+            <a:endParaRPr lang="en-US" sz="2000"/>
+          </a:p>
+          <a:p>
+            <a:pPr marL="457200" marR="0" lvl="0" indent="-457200" algn="l" defTabSz="914400" rtl="0" eaLnBrk="1" fontAlgn="auto" latinLnBrk="0" hangingPunct="1">
+              <a:lnSpc>
+                <a:spcPct val="100000"/>
+              </a:lnSpc>
+              <a:spcBef>
+                <a:spcPct val="20000"/>
+              </a:spcBef>
+              <a:spcAft>
+                <a:spcPts val="600"/>
+              </a:spcAft>
+              <a:buClrTx/>
+              <a:buSzTx/>
+              <a:buFont typeface="+mj-lt"/>
+              <a:buAutoNum type="arabicPeriod"/>
+              <a:defRPr/>
+            </a:pPr>
+            <a:r>
+              <a:rPr lang="en-US" sz="2000"/>
+              <a:t>An Extractive Text Summarization Based On Multivariate Approach M. Esther Hannah, Dr Saswati Mukherjee, K. Ganesh Kumar 2010 3rd International Conference on Advanced Computer Theory and Engineering (ICAC)</a:t>
+            </a:r>
             <a:endParaRPr lang="en-US" sz="2000"/>
           </a:p>
         </p:txBody>
